--- a/docs/diagrams/HighLevelSequenceDiagrams.pptx
+++ b/docs/diagrams/HighLevelSequenceDiagrams.pptx
@@ -208,7 +208,7 @@
           <a:p>
             <a:fld id="{F5CC4B3F-88C1-4FFA-B1B6-F41C21DC6924}" type="datetimeFigureOut">
               <a:rPr lang="en-US" smtClean="0"/>
-              <a:t>3/14/2017</a:t>
+              <a:t>4/10/2017</a:t>
             </a:fld>
             <a:endParaRPr lang="en-US"/>
           </a:p>
@@ -657,7 +657,7 @@
           <a:p>
             <a:fld id="{78C97017-6FC3-485B-9764-EAC9E56C1D49}" type="datetimeFigureOut">
               <a:rPr lang="en-US" smtClean="0"/>
-              <a:t>3/14/2017</a:t>
+              <a:t>4/10/2017</a:t>
             </a:fld>
             <a:endParaRPr lang="en-US"/>
           </a:p>
@@ -827,7 +827,7 @@
           <a:p>
             <a:fld id="{78C97017-6FC3-485B-9764-EAC9E56C1D49}" type="datetimeFigureOut">
               <a:rPr lang="en-US" smtClean="0"/>
-              <a:t>3/14/2017</a:t>
+              <a:t>4/10/2017</a:t>
             </a:fld>
             <a:endParaRPr lang="en-US"/>
           </a:p>
@@ -1007,7 +1007,7 @@
           <a:p>
             <a:fld id="{78C97017-6FC3-485B-9764-EAC9E56C1D49}" type="datetimeFigureOut">
               <a:rPr lang="en-US" smtClean="0"/>
-              <a:t>3/14/2017</a:t>
+              <a:t>4/10/2017</a:t>
             </a:fld>
             <a:endParaRPr lang="en-US"/>
           </a:p>
@@ -1177,7 +1177,7 @@
           <a:p>
             <a:fld id="{78C97017-6FC3-485B-9764-EAC9E56C1D49}" type="datetimeFigureOut">
               <a:rPr lang="en-US" smtClean="0"/>
-              <a:t>3/14/2017</a:t>
+              <a:t>4/10/2017</a:t>
             </a:fld>
             <a:endParaRPr lang="en-US"/>
           </a:p>
@@ -1423,7 +1423,7 @@
           <a:p>
             <a:fld id="{78C97017-6FC3-485B-9764-EAC9E56C1D49}" type="datetimeFigureOut">
               <a:rPr lang="en-US" smtClean="0"/>
-              <a:t>3/14/2017</a:t>
+              <a:t>4/10/2017</a:t>
             </a:fld>
             <a:endParaRPr lang="en-US"/>
           </a:p>
@@ -1711,7 +1711,7 @@
           <a:p>
             <a:fld id="{78C97017-6FC3-485B-9764-EAC9E56C1D49}" type="datetimeFigureOut">
               <a:rPr lang="en-US" smtClean="0"/>
-              <a:t>3/14/2017</a:t>
+              <a:t>4/10/2017</a:t>
             </a:fld>
             <a:endParaRPr lang="en-US"/>
           </a:p>
@@ -2133,7 +2133,7 @@
           <a:p>
             <a:fld id="{78C97017-6FC3-485B-9764-EAC9E56C1D49}" type="datetimeFigureOut">
               <a:rPr lang="en-US" smtClean="0"/>
-              <a:t>3/14/2017</a:t>
+              <a:t>4/10/2017</a:t>
             </a:fld>
             <a:endParaRPr lang="en-US"/>
           </a:p>
@@ -2251,7 +2251,7 @@
           <a:p>
             <a:fld id="{78C97017-6FC3-485B-9764-EAC9E56C1D49}" type="datetimeFigureOut">
               <a:rPr lang="en-US" smtClean="0"/>
-              <a:t>3/14/2017</a:t>
+              <a:t>4/10/2017</a:t>
             </a:fld>
             <a:endParaRPr lang="en-US"/>
           </a:p>
@@ -2346,7 +2346,7 @@
           <a:p>
             <a:fld id="{78C97017-6FC3-485B-9764-EAC9E56C1D49}" type="datetimeFigureOut">
               <a:rPr lang="en-US" smtClean="0"/>
-              <a:t>3/14/2017</a:t>
+              <a:t>4/10/2017</a:t>
             </a:fld>
             <a:endParaRPr lang="en-US"/>
           </a:p>
@@ -2623,7 +2623,7 @@
           <a:p>
             <a:fld id="{78C97017-6FC3-485B-9764-EAC9E56C1D49}" type="datetimeFigureOut">
               <a:rPr lang="en-US" smtClean="0"/>
-              <a:t>3/14/2017</a:t>
+              <a:t>4/10/2017</a:t>
             </a:fld>
             <a:endParaRPr lang="en-US"/>
           </a:p>
@@ -2876,7 +2876,7 @@
           <a:p>
             <a:fld id="{78C97017-6FC3-485B-9764-EAC9E56C1D49}" type="datetimeFigureOut">
               <a:rPr lang="en-US" smtClean="0"/>
-              <a:t>3/14/2017</a:t>
+              <a:t>4/10/2017</a:t>
             </a:fld>
             <a:endParaRPr lang="en-US"/>
           </a:p>
@@ -3089,7 +3089,7 @@
           <a:p>
             <a:fld id="{78C97017-6FC3-485B-9764-EAC9E56C1D49}" type="datetimeFigureOut">
               <a:rPr lang="en-US" smtClean="0"/>
-              <a:t>3/14/2017</a:t>
+              <a:t>4/10/2017</a:t>
             </a:fld>
             <a:endParaRPr lang="en-US"/>
           </a:p>
@@ -4377,16 +4377,6 @@
               <a:t>post(</a:t>
             </a:r>
             <a:r>
-              <a:rPr lang="en-US" sz="1400" dirty="0" err="1">
-                <a:solidFill>
-                  <a:schemeClr val="accent5">
-                    <a:lumMod val="75000"/>
-                  </a:schemeClr>
-                </a:solidFill>
-              </a:rPr>
-              <a:t>T</a:t>
-            </a:r>
-            <a:r>
               <a:rPr lang="en-US" sz="1400" dirty="0" err="1" smtClean="0">
                 <a:solidFill>
                   <a:schemeClr val="accent5">
@@ -4394,7 +4384,7 @@
                   </a:schemeClr>
                 </a:solidFill>
               </a:rPr>
-              <a:t>askManagerChangedEvent</a:t>
+              <a:t>TaskListChangedEvent</a:t>
             </a:r>
             <a:r>
               <a:rPr lang="en-US" sz="1400" dirty="0" smtClean="0">
@@ -4951,40 +4941,32 @@
           <a:lstStyle/>
           <a:p>
             <a:r>
-              <a:rPr lang="en-US" sz="1400" dirty="0" smtClean="0">
+              <a:rPr lang="en-US" sz="1400" dirty="0">
                 <a:solidFill>
-                  <a:schemeClr val="accent5">
-                    <a:lumMod val="75000"/>
-                  </a:schemeClr>
+                  <a:srgbClr val="7030A0"/>
                 </a:solidFill>
               </a:rPr>
               <a:t>post(</a:t>
             </a:r>
             <a:r>
-              <a:rPr lang="en-US" sz="1400" dirty="0" err="1" smtClean="0">
+              <a:rPr lang="en-US" sz="1400" dirty="0" err="1">
                 <a:solidFill>
-                  <a:schemeClr val="accent5">
-                    <a:lumMod val="75000"/>
-                  </a:schemeClr>
+                  <a:srgbClr val="7030A0"/>
                 </a:solidFill>
               </a:rPr>
-              <a:t>TaskManagerChangedEvent</a:t>
-            </a:r>
-            <a:r>
-              <a:rPr lang="en-US" sz="1400" dirty="0" smtClean="0">
+              <a:t>TaskListChangedEvent</a:t>
+            </a:r>
+            <a:r>
+              <a:rPr lang="en-US" sz="1400" dirty="0">
                 <a:solidFill>
-                  <a:schemeClr val="accent5">
-                    <a:lumMod val="75000"/>
-                  </a:schemeClr>
+                  <a:srgbClr val="7030A0"/>
                 </a:solidFill>
               </a:rPr>
               <a:t>)</a:t>
             </a:r>
             <a:endParaRPr lang="en-US" sz="1400" dirty="0">
               <a:solidFill>
-                <a:schemeClr val="accent5">
-                  <a:lumMod val="75000"/>
-                </a:schemeClr>
+                <a:srgbClr val="7030A0"/>
               </a:solidFill>
             </a:endParaRPr>
           </a:p>
@@ -5340,7 +5322,7 @@
                   </a:schemeClr>
                 </a:solidFill>
               </a:rPr>
-              <a:t>handleTaskManagerChangedEvent</a:t>
+              <a:t>handleTaskListChangedEvent</a:t>
             </a:r>
             <a:r>
               <a:rPr lang="en-US" sz="1400" dirty="0" smtClean="0">
@@ -5651,7 +5633,7 @@
                   <a:srgbClr val="00B050"/>
                 </a:solidFill>
               </a:rPr>
-              <a:t>handleTaskManagerChangedEvent</a:t>
+              <a:t>handleTaskListChangedEvent</a:t>
             </a:r>
             <a:r>
               <a:rPr lang="en-US" sz="1400" dirty="0" smtClean="0">
